--- a/lessons/week09/Week9Slides.pptx
+++ b/lessons/week09/Week9Slides.pptx
@@ -5,13 +5,14 @@
     <p:sldMasterId id="2147483648" r:id="rId1"/>
   </p:sldMasterIdLst>
   <p:notesMasterIdLst>
-    <p:notesMasterId r:id="rId6"/>
+    <p:notesMasterId r:id="rId7"/>
   </p:notesMasterIdLst>
   <p:sldIdLst>
-    <p:sldId id="346" r:id="rId2"/>
-    <p:sldId id="256" r:id="rId3"/>
-    <p:sldId id="353" r:id="rId4"/>
-    <p:sldId id="352" r:id="rId5"/>
+    <p:sldId id="354" r:id="rId2"/>
+    <p:sldId id="346" r:id="rId3"/>
+    <p:sldId id="256" r:id="rId4"/>
+    <p:sldId id="353" r:id="rId5"/>
+    <p:sldId id="352" r:id="rId6"/>
   </p:sldIdLst>
   <p:sldSz cx="12192000" cy="6858000"/>
   <p:notesSz cx="6858000" cy="9144000"/>
@@ -200,7 +201,7 @@
           <a:p>
             <a:fld id="{4998508A-DF2F-9E43-83CE-4A7CE9A3C213}" type="datetimeFigureOut">
               <a:rPr lang="en-US" smtClean="0"/>
-              <a:t>10/20/25</a:t>
+              <a:t>10/21/25</a:t>
             </a:fld>
             <a:endParaRPr lang="en-US"/>
           </a:p>
@@ -564,7 +565,7 @@
           <a:p>
             <a:fld id="{3572F361-54E4-C34C-8538-D6D56ED3FB63}" type="slidenum">
               <a:rPr lang="en-US" smtClean="0"/>
-              <a:t>1</a:t>
+              <a:t>2</a:t>
             </a:fld>
             <a:endParaRPr lang="en-US"/>
           </a:p>
@@ -655,7 +656,7 @@
           <a:p>
             <a:fld id="{E62C230A-2C7C-4541-89D6-001726977FA0}" type="slidenum">
               <a:rPr lang="en-US" smtClean="0"/>
-              <a:t>3</a:t>
+              <a:t>4</a:t>
             </a:fld>
             <a:endParaRPr lang="en-US"/>
           </a:p>
@@ -821,7 +822,7 @@
           <a:p>
             <a:fld id="{75852D52-05F1-DB4C-B748-A8CFDB6EE81E}" type="datetimeFigureOut">
               <a:rPr lang="en-US" smtClean="0"/>
-              <a:t>10/20/25</a:t>
+              <a:t>10/21/25</a:t>
             </a:fld>
             <a:endParaRPr lang="en-US"/>
           </a:p>
@@ -1019,7 +1020,7 @@
           <a:p>
             <a:fld id="{75852D52-05F1-DB4C-B748-A8CFDB6EE81E}" type="datetimeFigureOut">
               <a:rPr lang="en-US" smtClean="0"/>
-              <a:t>10/20/25</a:t>
+              <a:t>10/21/25</a:t>
             </a:fld>
             <a:endParaRPr lang="en-US"/>
           </a:p>
@@ -1227,7 +1228,7 @@
           <a:p>
             <a:fld id="{75852D52-05F1-DB4C-B748-A8CFDB6EE81E}" type="datetimeFigureOut">
               <a:rPr lang="en-US" smtClean="0"/>
-              <a:t>10/20/25</a:t>
+              <a:t>10/21/25</a:t>
             </a:fld>
             <a:endParaRPr lang="en-US"/>
           </a:p>
@@ -1425,7 +1426,7 @@
           <a:p>
             <a:fld id="{75852D52-05F1-DB4C-B748-A8CFDB6EE81E}" type="datetimeFigureOut">
               <a:rPr lang="en-US" smtClean="0"/>
-              <a:t>10/20/25</a:t>
+              <a:t>10/21/25</a:t>
             </a:fld>
             <a:endParaRPr lang="en-US"/>
           </a:p>
@@ -1700,7 +1701,7 @@
           <a:p>
             <a:fld id="{75852D52-05F1-DB4C-B748-A8CFDB6EE81E}" type="datetimeFigureOut">
               <a:rPr lang="en-US" smtClean="0"/>
-              <a:t>10/20/25</a:t>
+              <a:t>10/21/25</a:t>
             </a:fld>
             <a:endParaRPr lang="en-US"/>
           </a:p>
@@ -1965,7 +1966,7 @@
           <a:p>
             <a:fld id="{75852D52-05F1-DB4C-B748-A8CFDB6EE81E}" type="datetimeFigureOut">
               <a:rPr lang="en-US" smtClean="0"/>
-              <a:t>10/20/25</a:t>
+              <a:t>10/21/25</a:t>
             </a:fld>
             <a:endParaRPr lang="en-US"/>
           </a:p>
@@ -2377,7 +2378,7 @@
           <a:p>
             <a:fld id="{75852D52-05F1-DB4C-B748-A8CFDB6EE81E}" type="datetimeFigureOut">
               <a:rPr lang="en-US" smtClean="0"/>
-              <a:t>10/20/25</a:t>
+              <a:t>10/21/25</a:t>
             </a:fld>
             <a:endParaRPr lang="en-US"/>
           </a:p>
@@ -2518,7 +2519,7 @@
           <a:p>
             <a:fld id="{75852D52-05F1-DB4C-B748-A8CFDB6EE81E}" type="datetimeFigureOut">
               <a:rPr lang="en-US" smtClean="0"/>
-              <a:t>10/20/25</a:t>
+              <a:t>10/21/25</a:t>
             </a:fld>
             <a:endParaRPr lang="en-US"/>
           </a:p>
@@ -2631,7 +2632,7 @@
           <a:p>
             <a:fld id="{75852D52-05F1-DB4C-B748-A8CFDB6EE81E}" type="datetimeFigureOut">
               <a:rPr lang="en-US" smtClean="0"/>
-              <a:t>10/20/25</a:t>
+              <a:t>10/21/25</a:t>
             </a:fld>
             <a:endParaRPr lang="en-US"/>
           </a:p>
@@ -2942,7 +2943,7 @@
           <a:p>
             <a:fld id="{75852D52-05F1-DB4C-B748-A8CFDB6EE81E}" type="datetimeFigureOut">
               <a:rPr lang="en-US" smtClean="0"/>
-              <a:t>10/20/25</a:t>
+              <a:t>10/21/25</a:t>
             </a:fld>
             <a:endParaRPr lang="en-US"/>
           </a:p>
@@ -3230,7 +3231,7 @@
           <a:p>
             <a:fld id="{75852D52-05F1-DB4C-B748-A8CFDB6EE81E}" type="datetimeFigureOut">
               <a:rPr lang="en-US" smtClean="0"/>
-              <a:t>10/20/25</a:t>
+              <a:t>10/21/25</a:t>
             </a:fld>
             <a:endParaRPr lang="en-US"/>
           </a:p>
@@ -3471,7 +3472,7 @@
           <a:p>
             <a:fld id="{75852D52-05F1-DB4C-B748-A8CFDB6EE81E}" type="datetimeFigureOut">
               <a:rPr lang="en-US" smtClean="0"/>
-              <a:t>10/20/25</a:t>
+              <a:t>10/21/25</a:t>
             </a:fld>
             <a:endParaRPr lang="en-US"/>
           </a:p>
@@ -3893,6 +3894,89 @@
           <p:cNvPr id="2" name="Title 1">
             <a:extLst>
               <a:ext uri="{FF2B5EF4-FFF2-40B4-BE49-F238E27FC236}">
+                <a16:creationId xmlns:a16="http://schemas.microsoft.com/office/drawing/2014/main" id="{8291104B-542A-FF70-4D66-0294D8F9563A}"/>
+              </a:ext>
+            </a:extLst>
+          </p:cNvPr>
+          <p:cNvSpPr>
+            <a:spLocks noGrp="1"/>
+          </p:cNvSpPr>
+          <p:nvPr>
+            <p:ph type="title"/>
+          </p:nvPr>
+        </p:nvSpPr>
+        <p:spPr/>
+        <p:txBody>
+          <a:bodyPr/>
+          <a:lstStyle/>
+          <a:p>
+            <a:r>
+              <a:rPr lang="en-US" dirty="0"/>
+              <a:t>Class Project</a:t>
+            </a:r>
+          </a:p>
+        </p:txBody>
+      </p:sp>
+      <p:sp>
+        <p:nvSpPr>
+          <p:cNvPr id="3" name="Content Placeholder 2">
+            <a:extLst>
+              <a:ext uri="{FF2B5EF4-FFF2-40B4-BE49-F238E27FC236}">
+                <a16:creationId xmlns:a16="http://schemas.microsoft.com/office/drawing/2014/main" id="{1414570F-2739-A18F-0B2F-63D99A537969}"/>
+              </a:ext>
+            </a:extLst>
+          </p:cNvPr>
+          <p:cNvSpPr>
+            <a:spLocks noGrp="1"/>
+          </p:cNvSpPr>
+          <p:nvPr>
+            <p:ph idx="1"/>
+          </p:nvPr>
+        </p:nvSpPr>
+        <p:spPr/>
+        <p:txBody>
+          <a:bodyPr/>
+          <a:lstStyle/>
+          <a:p>
+            <a:endParaRPr lang="en-US"/>
+          </a:p>
+        </p:txBody>
+      </p:sp>
+    </p:spTree>
+    <p:extLst>
+      <p:ext uri="{BB962C8B-B14F-4D97-AF65-F5344CB8AC3E}">
+        <p14:creationId xmlns:p14="http://schemas.microsoft.com/office/powerpoint/2010/main" val="689239120"/>
+      </p:ext>
+    </p:extLst>
+  </p:cSld>
+  <p:clrMapOvr>
+    <a:masterClrMapping/>
+  </p:clrMapOvr>
+</p:sld>
+</file>
+
+<file path=ppt/slides/slide2.xml><?xml version="1.0" encoding="utf-8"?>
+<p:sld xmlns:a="http://schemas.openxmlformats.org/drawingml/2006/main" xmlns:r="http://schemas.openxmlformats.org/officeDocument/2006/relationships" xmlns:p="http://schemas.openxmlformats.org/presentationml/2006/main">
+  <p:cSld>
+    <p:spTree>
+      <p:nvGrpSpPr>
+        <p:cNvPr id="1" name=""/>
+        <p:cNvGrpSpPr/>
+        <p:nvPr/>
+      </p:nvGrpSpPr>
+      <p:grpSpPr>
+        <a:xfrm>
+          <a:off x="0" y="0"/>
+          <a:ext cx="0" cy="0"/>
+          <a:chOff x="0" y="0"/>
+          <a:chExt cx="0" cy="0"/>
+        </a:xfrm>
+      </p:grpSpPr>
+      <p:sp>
+        <p:nvSpPr>
+          <p:cNvPr id="2" name="Title 1">
+            <a:extLst>
+              <a:ext uri="{FF2B5EF4-FFF2-40B4-BE49-F238E27FC236}">
                 <a16:creationId xmlns:a16="http://schemas.microsoft.com/office/drawing/2014/main" id="{15F4737A-AFFF-914B-D6A6-4709C9CB221B}"/>
               </a:ext>
             </a:extLst>
@@ -4760,7 +4844,7 @@
 </p:sld>
 </file>
 
-<file path=ppt/slides/slide2.xml><?xml version="1.0" encoding="utf-8"?>
+<file path=ppt/slides/slide3.xml><?xml version="1.0" encoding="utf-8"?>
 <p:sld xmlns:a="http://schemas.openxmlformats.org/drawingml/2006/main" xmlns:r="http://schemas.openxmlformats.org/officeDocument/2006/relationships" xmlns:p="http://schemas.openxmlformats.org/presentationml/2006/main">
   <p:cSld>
     <p:spTree>
@@ -4877,7 +4961,7 @@
 </p:sld>
 </file>
 
-<file path=ppt/slides/slide3.xml><?xml version="1.0" encoding="utf-8"?>
+<file path=ppt/slides/slide4.xml><?xml version="1.0" encoding="utf-8"?>
 <p:sld xmlns:a="http://schemas.openxmlformats.org/drawingml/2006/main" xmlns:r="http://schemas.openxmlformats.org/officeDocument/2006/relationships" xmlns:p="http://schemas.openxmlformats.org/presentationml/2006/main">
   <p:cSld>
     <p:spTree>
@@ -4997,7 +5081,7 @@
 </p:sld>
 </file>
 
-<file path=ppt/slides/slide4.xml><?xml version="1.0" encoding="utf-8"?>
+<file path=ppt/slides/slide5.xml><?xml version="1.0" encoding="utf-8"?>
 <p:sld xmlns:a="http://schemas.openxmlformats.org/drawingml/2006/main" xmlns:r="http://schemas.openxmlformats.org/officeDocument/2006/relationships" xmlns:p="http://schemas.openxmlformats.org/presentationml/2006/main">
   <p:cSld>
     <p:spTree>
